--- a/Sakk.pptx
+++ b/Sakk.pptx
@@ -112,6 +112,11 @@
       </a:defRPr>
     </a:lvl9pPr>
   </p:defaultTextStyle>
+  <p:extLst>
+    <p:ext uri="{EFAFB233-063F-42B5-8137-9DF3F51BA10A}">
+      <p15:sldGuideLst xmlns:p15="http://schemas.microsoft.com/office/powerpoint/2012/main"/>
+    </p:ext>
+  </p:extLst>
 </p:presentation>
 </file>
 
@@ -157,10 +162,9 @@
           </a:lstStyle>
           <a:p>
             <a:r>
-              <a:rPr lang="hu-HU" smtClean="0"/>
+              <a:rPr lang="hu-HU"/>
               <a:t>Mintacím szerkesztése</a:t>
             </a:r>
-            <a:endParaRPr lang="hu-HU"/>
           </a:p>
         </p:txBody>
       </p:sp>
@@ -222,10 +226,9 @@
           </a:lstStyle>
           <a:p>
             <a:r>
-              <a:rPr lang="hu-HU" smtClean="0"/>
+              <a:rPr lang="hu-HU"/>
               <a:t>Kattintson ide az alcím mintájának szerkesztéséhez</a:t>
             </a:r>
-            <a:endParaRPr lang="hu-HU"/>
           </a:p>
         </p:txBody>
       </p:sp>
@@ -246,7 +249,7 @@
           <a:p>
             <a:fld id="{9036AB34-629E-4A73-B1DC-FDBB3E2FBB33}" type="datetimeFigureOut">
               <a:rPr lang="hu-HU" smtClean="0"/>
-              <a:t>2023. 05. 02.</a:t>
+              <a:t>2023.05.03</a:t>
             </a:fld>
             <a:endParaRPr lang="hu-HU"/>
           </a:p>
@@ -304,13 +307,6 @@
   <p:clrMapOvr>
     <a:masterClrMapping/>
   </p:clrMapOvr>
-  <p:timing>
-    <p:tnLst>
-      <p:par>
-        <p:cTn id="1" dur="indefinite" restart="never" nodeType="tmRoot"/>
-      </p:par>
-    </p:tnLst>
-  </p:timing>
 </p:sldLayout>
 </file>
 
@@ -347,10 +343,9 @@
           <a:lstStyle/>
           <a:p>
             <a:r>
-              <a:rPr lang="hu-HU" smtClean="0"/>
+              <a:rPr lang="hu-HU"/>
               <a:t>Mintacím szerkesztése</a:t>
             </a:r>
-            <a:endParaRPr lang="hu-HU"/>
           </a:p>
         </p:txBody>
       </p:sp>
@@ -371,38 +366,37 @@
           <a:p>
             <a:pPr lvl="0"/>
             <a:r>
-              <a:rPr lang="hu-HU" smtClean="0"/>
+              <a:rPr lang="hu-HU"/>
               <a:t>Mintaszöveg szerkesztése</a:t>
             </a:r>
           </a:p>
           <a:p>
             <a:pPr lvl="1"/>
             <a:r>
-              <a:rPr lang="hu-HU" smtClean="0"/>
+              <a:rPr lang="hu-HU"/>
               <a:t>Második szint</a:t>
             </a:r>
           </a:p>
           <a:p>
             <a:pPr lvl="2"/>
             <a:r>
-              <a:rPr lang="hu-HU" smtClean="0"/>
+              <a:rPr lang="hu-HU"/>
               <a:t>Harmadik szint</a:t>
             </a:r>
           </a:p>
           <a:p>
             <a:pPr lvl="3"/>
             <a:r>
-              <a:rPr lang="hu-HU" smtClean="0"/>
+              <a:rPr lang="hu-HU"/>
               <a:t>Negyedik szint</a:t>
             </a:r>
           </a:p>
           <a:p>
             <a:pPr lvl="4"/>
             <a:r>
-              <a:rPr lang="hu-HU" smtClean="0"/>
+              <a:rPr lang="hu-HU"/>
               <a:t>Ötödik szint</a:t>
             </a:r>
-            <a:endParaRPr lang="hu-HU"/>
           </a:p>
         </p:txBody>
       </p:sp>
@@ -423,7 +417,7 @@
           <a:p>
             <a:fld id="{9036AB34-629E-4A73-B1DC-FDBB3E2FBB33}" type="datetimeFigureOut">
               <a:rPr lang="hu-HU" smtClean="0"/>
-              <a:t>2023. 05. 02.</a:t>
+              <a:t>2023.05.03</a:t>
             </a:fld>
             <a:endParaRPr lang="hu-HU"/>
           </a:p>
@@ -522,10 +516,9 @@
           <a:lstStyle/>
           <a:p>
             <a:r>
-              <a:rPr lang="hu-HU" smtClean="0"/>
+              <a:rPr lang="hu-HU"/>
               <a:t>Mintacím szerkesztése</a:t>
             </a:r>
-            <a:endParaRPr lang="hu-HU"/>
           </a:p>
         </p:txBody>
       </p:sp>
@@ -551,38 +544,37 @@
           <a:p>
             <a:pPr lvl="0"/>
             <a:r>
-              <a:rPr lang="hu-HU" smtClean="0"/>
+              <a:rPr lang="hu-HU"/>
               <a:t>Mintaszöveg szerkesztése</a:t>
             </a:r>
           </a:p>
           <a:p>
             <a:pPr lvl="1"/>
             <a:r>
-              <a:rPr lang="hu-HU" smtClean="0"/>
+              <a:rPr lang="hu-HU"/>
               <a:t>Második szint</a:t>
             </a:r>
           </a:p>
           <a:p>
             <a:pPr lvl="2"/>
             <a:r>
-              <a:rPr lang="hu-HU" smtClean="0"/>
+              <a:rPr lang="hu-HU"/>
               <a:t>Harmadik szint</a:t>
             </a:r>
           </a:p>
           <a:p>
             <a:pPr lvl="3"/>
             <a:r>
-              <a:rPr lang="hu-HU" smtClean="0"/>
+              <a:rPr lang="hu-HU"/>
               <a:t>Negyedik szint</a:t>
             </a:r>
           </a:p>
           <a:p>
             <a:pPr lvl="4"/>
             <a:r>
-              <a:rPr lang="hu-HU" smtClean="0"/>
+              <a:rPr lang="hu-HU"/>
               <a:t>Ötödik szint</a:t>
             </a:r>
-            <a:endParaRPr lang="hu-HU"/>
           </a:p>
         </p:txBody>
       </p:sp>
@@ -603,7 +595,7 @@
           <a:p>
             <a:fld id="{9036AB34-629E-4A73-B1DC-FDBB3E2FBB33}" type="datetimeFigureOut">
               <a:rPr lang="hu-HU" smtClean="0"/>
-              <a:t>2023. 05. 02.</a:t>
+              <a:t>2023.05.03</a:t>
             </a:fld>
             <a:endParaRPr lang="hu-HU"/>
           </a:p>
@@ -697,10 +689,9 @@
           <a:lstStyle/>
           <a:p>
             <a:r>
-              <a:rPr lang="hu-HU" smtClean="0"/>
+              <a:rPr lang="hu-HU"/>
               <a:t>Mintacím szerkesztése</a:t>
             </a:r>
-            <a:endParaRPr lang="hu-HU"/>
           </a:p>
         </p:txBody>
       </p:sp>
@@ -721,38 +712,37 @@
           <a:p>
             <a:pPr lvl="0"/>
             <a:r>
-              <a:rPr lang="hu-HU" smtClean="0"/>
+              <a:rPr lang="hu-HU"/>
               <a:t>Mintaszöveg szerkesztése</a:t>
             </a:r>
           </a:p>
           <a:p>
             <a:pPr lvl="1"/>
             <a:r>
-              <a:rPr lang="hu-HU" smtClean="0"/>
+              <a:rPr lang="hu-HU"/>
               <a:t>Második szint</a:t>
             </a:r>
           </a:p>
           <a:p>
             <a:pPr lvl="2"/>
             <a:r>
-              <a:rPr lang="hu-HU" smtClean="0"/>
+              <a:rPr lang="hu-HU"/>
               <a:t>Harmadik szint</a:t>
             </a:r>
           </a:p>
           <a:p>
             <a:pPr lvl="3"/>
             <a:r>
-              <a:rPr lang="hu-HU" smtClean="0"/>
+              <a:rPr lang="hu-HU"/>
               <a:t>Negyedik szint</a:t>
             </a:r>
           </a:p>
           <a:p>
             <a:pPr lvl="4"/>
             <a:r>
-              <a:rPr lang="hu-HU" smtClean="0"/>
+              <a:rPr lang="hu-HU"/>
               <a:t>Ötödik szint</a:t>
             </a:r>
-            <a:endParaRPr lang="hu-HU"/>
           </a:p>
         </p:txBody>
       </p:sp>
@@ -773,7 +763,7 @@
           <a:p>
             <a:fld id="{9036AB34-629E-4A73-B1DC-FDBB3E2FBB33}" type="datetimeFigureOut">
               <a:rPr lang="hu-HU" smtClean="0"/>
-              <a:t>2023. 05. 02.</a:t>
+              <a:t>2023.05.03</a:t>
             </a:fld>
             <a:endParaRPr lang="hu-HU"/>
           </a:p>
@@ -876,10 +866,9 @@
           </a:lstStyle>
           <a:p>
             <a:r>
-              <a:rPr lang="hu-HU" smtClean="0"/>
+              <a:rPr lang="hu-HU"/>
               <a:t>Mintacím szerkesztése</a:t>
             </a:r>
-            <a:endParaRPr lang="hu-HU"/>
           </a:p>
         </p:txBody>
       </p:sp>
@@ -996,7 +985,7 @@
           <a:p>
             <a:pPr lvl="0"/>
             <a:r>
-              <a:rPr lang="hu-HU" smtClean="0"/>
+              <a:rPr lang="hu-HU"/>
               <a:t>Mintaszöveg szerkesztése</a:t>
             </a:r>
           </a:p>
@@ -1019,7 +1008,7 @@
           <a:p>
             <a:fld id="{9036AB34-629E-4A73-B1DC-FDBB3E2FBB33}" type="datetimeFigureOut">
               <a:rPr lang="hu-HU" smtClean="0"/>
-              <a:t>2023. 05. 02.</a:t>
+              <a:t>2023.05.03</a:t>
             </a:fld>
             <a:endParaRPr lang="hu-HU"/>
           </a:p>
@@ -1113,10 +1102,9 @@
           <a:lstStyle/>
           <a:p>
             <a:r>
-              <a:rPr lang="hu-HU" smtClean="0"/>
+              <a:rPr lang="hu-HU"/>
               <a:t>Mintacím szerkesztése</a:t>
             </a:r>
-            <a:endParaRPr lang="hu-HU"/>
           </a:p>
         </p:txBody>
       </p:sp>
@@ -1142,38 +1130,37 @@
           <a:p>
             <a:pPr lvl="0"/>
             <a:r>
-              <a:rPr lang="hu-HU" smtClean="0"/>
+              <a:rPr lang="hu-HU"/>
               <a:t>Mintaszöveg szerkesztése</a:t>
             </a:r>
           </a:p>
           <a:p>
             <a:pPr lvl="1"/>
             <a:r>
-              <a:rPr lang="hu-HU" smtClean="0"/>
+              <a:rPr lang="hu-HU"/>
               <a:t>Második szint</a:t>
             </a:r>
           </a:p>
           <a:p>
             <a:pPr lvl="2"/>
             <a:r>
-              <a:rPr lang="hu-HU" smtClean="0"/>
+              <a:rPr lang="hu-HU"/>
               <a:t>Harmadik szint</a:t>
             </a:r>
           </a:p>
           <a:p>
             <a:pPr lvl="3"/>
             <a:r>
-              <a:rPr lang="hu-HU" smtClean="0"/>
+              <a:rPr lang="hu-HU"/>
               <a:t>Negyedik szint</a:t>
             </a:r>
           </a:p>
           <a:p>
             <a:pPr lvl="4"/>
             <a:r>
-              <a:rPr lang="hu-HU" smtClean="0"/>
+              <a:rPr lang="hu-HU"/>
               <a:t>Ötödik szint</a:t>
             </a:r>
-            <a:endParaRPr lang="hu-HU"/>
           </a:p>
         </p:txBody>
       </p:sp>
@@ -1199,38 +1186,37 @@
           <a:p>
             <a:pPr lvl="0"/>
             <a:r>
-              <a:rPr lang="hu-HU" smtClean="0"/>
+              <a:rPr lang="hu-HU"/>
               <a:t>Mintaszöveg szerkesztése</a:t>
             </a:r>
           </a:p>
           <a:p>
             <a:pPr lvl="1"/>
             <a:r>
-              <a:rPr lang="hu-HU" smtClean="0"/>
+              <a:rPr lang="hu-HU"/>
               <a:t>Második szint</a:t>
             </a:r>
           </a:p>
           <a:p>
             <a:pPr lvl="2"/>
             <a:r>
-              <a:rPr lang="hu-HU" smtClean="0"/>
+              <a:rPr lang="hu-HU"/>
               <a:t>Harmadik szint</a:t>
             </a:r>
           </a:p>
           <a:p>
             <a:pPr lvl="3"/>
             <a:r>
-              <a:rPr lang="hu-HU" smtClean="0"/>
+              <a:rPr lang="hu-HU"/>
               <a:t>Negyedik szint</a:t>
             </a:r>
           </a:p>
           <a:p>
             <a:pPr lvl="4"/>
             <a:r>
-              <a:rPr lang="hu-HU" smtClean="0"/>
+              <a:rPr lang="hu-HU"/>
               <a:t>Ötödik szint</a:t>
             </a:r>
-            <a:endParaRPr lang="hu-HU"/>
           </a:p>
         </p:txBody>
       </p:sp>
@@ -1251,7 +1237,7 @@
           <a:p>
             <a:fld id="{9036AB34-629E-4A73-B1DC-FDBB3E2FBB33}" type="datetimeFigureOut">
               <a:rPr lang="hu-HU" smtClean="0"/>
-              <a:t>2023. 05. 02.</a:t>
+              <a:t>2023.05.03</a:t>
             </a:fld>
             <a:endParaRPr lang="hu-HU"/>
           </a:p>
@@ -1350,10 +1336,9 @@
           <a:lstStyle/>
           <a:p>
             <a:r>
-              <a:rPr lang="hu-HU" smtClean="0"/>
+              <a:rPr lang="hu-HU"/>
               <a:t>Mintacím szerkesztése</a:t>
             </a:r>
-            <a:endParaRPr lang="hu-HU"/>
           </a:p>
         </p:txBody>
       </p:sp>
@@ -1416,7 +1401,7 @@
           <a:p>
             <a:pPr lvl="0"/>
             <a:r>
-              <a:rPr lang="hu-HU" smtClean="0"/>
+              <a:rPr lang="hu-HU"/>
               <a:t>Mintaszöveg szerkesztése</a:t>
             </a:r>
           </a:p>
@@ -1444,38 +1429,37 @@
           <a:p>
             <a:pPr lvl="0"/>
             <a:r>
-              <a:rPr lang="hu-HU" smtClean="0"/>
+              <a:rPr lang="hu-HU"/>
               <a:t>Mintaszöveg szerkesztése</a:t>
             </a:r>
           </a:p>
           <a:p>
             <a:pPr lvl="1"/>
             <a:r>
-              <a:rPr lang="hu-HU" smtClean="0"/>
+              <a:rPr lang="hu-HU"/>
               <a:t>Második szint</a:t>
             </a:r>
           </a:p>
           <a:p>
             <a:pPr lvl="2"/>
             <a:r>
-              <a:rPr lang="hu-HU" smtClean="0"/>
+              <a:rPr lang="hu-HU"/>
               <a:t>Harmadik szint</a:t>
             </a:r>
           </a:p>
           <a:p>
             <a:pPr lvl="3"/>
             <a:r>
-              <a:rPr lang="hu-HU" smtClean="0"/>
+              <a:rPr lang="hu-HU"/>
               <a:t>Negyedik szint</a:t>
             </a:r>
           </a:p>
           <a:p>
             <a:pPr lvl="4"/>
             <a:r>
-              <a:rPr lang="hu-HU" smtClean="0"/>
+              <a:rPr lang="hu-HU"/>
               <a:t>Ötödik szint</a:t>
             </a:r>
-            <a:endParaRPr lang="hu-HU"/>
           </a:p>
         </p:txBody>
       </p:sp>
@@ -1538,7 +1522,7 @@
           <a:p>
             <a:pPr lvl="0"/>
             <a:r>
-              <a:rPr lang="hu-HU" smtClean="0"/>
+              <a:rPr lang="hu-HU"/>
               <a:t>Mintaszöveg szerkesztése</a:t>
             </a:r>
           </a:p>
@@ -1566,38 +1550,37 @@
           <a:p>
             <a:pPr lvl="0"/>
             <a:r>
-              <a:rPr lang="hu-HU" smtClean="0"/>
+              <a:rPr lang="hu-HU"/>
               <a:t>Mintaszöveg szerkesztése</a:t>
             </a:r>
           </a:p>
           <a:p>
             <a:pPr lvl="1"/>
             <a:r>
-              <a:rPr lang="hu-HU" smtClean="0"/>
+              <a:rPr lang="hu-HU"/>
               <a:t>Második szint</a:t>
             </a:r>
           </a:p>
           <a:p>
             <a:pPr lvl="2"/>
             <a:r>
-              <a:rPr lang="hu-HU" smtClean="0"/>
+              <a:rPr lang="hu-HU"/>
               <a:t>Harmadik szint</a:t>
             </a:r>
           </a:p>
           <a:p>
             <a:pPr lvl="3"/>
             <a:r>
-              <a:rPr lang="hu-HU" smtClean="0"/>
+              <a:rPr lang="hu-HU"/>
               <a:t>Negyedik szint</a:t>
             </a:r>
           </a:p>
           <a:p>
             <a:pPr lvl="4"/>
             <a:r>
-              <a:rPr lang="hu-HU" smtClean="0"/>
+              <a:rPr lang="hu-HU"/>
               <a:t>Ötödik szint</a:t>
             </a:r>
-            <a:endParaRPr lang="hu-HU"/>
           </a:p>
         </p:txBody>
       </p:sp>
@@ -1618,7 +1601,7 @@
           <a:p>
             <a:fld id="{9036AB34-629E-4A73-B1DC-FDBB3E2FBB33}" type="datetimeFigureOut">
               <a:rPr lang="hu-HU" smtClean="0"/>
-              <a:t>2023. 05. 02.</a:t>
+              <a:t>2023.05.03</a:t>
             </a:fld>
             <a:endParaRPr lang="hu-HU"/>
           </a:p>
@@ -1712,10 +1695,9 @@
           <a:lstStyle/>
           <a:p>
             <a:r>
-              <a:rPr lang="hu-HU" smtClean="0"/>
+              <a:rPr lang="hu-HU"/>
               <a:t>Mintacím szerkesztése</a:t>
             </a:r>
-            <a:endParaRPr lang="hu-HU"/>
           </a:p>
         </p:txBody>
       </p:sp>
@@ -1736,7 +1718,7 @@
           <a:p>
             <a:fld id="{9036AB34-629E-4A73-B1DC-FDBB3E2FBB33}" type="datetimeFigureOut">
               <a:rPr lang="hu-HU" smtClean="0"/>
-              <a:t>2023. 05. 02.</a:t>
+              <a:t>2023.05.03</a:t>
             </a:fld>
             <a:endParaRPr lang="hu-HU"/>
           </a:p>
@@ -1831,7 +1813,7 @@
           <a:p>
             <a:fld id="{9036AB34-629E-4A73-B1DC-FDBB3E2FBB33}" type="datetimeFigureOut">
               <a:rPr lang="hu-HU" smtClean="0"/>
-              <a:t>2023. 05. 02.</a:t>
+              <a:t>2023.05.03</a:t>
             </a:fld>
             <a:endParaRPr lang="hu-HU"/>
           </a:p>
@@ -1934,10 +1916,9 @@
           </a:lstStyle>
           <a:p>
             <a:r>
-              <a:rPr lang="hu-HU" smtClean="0"/>
+              <a:rPr lang="hu-HU"/>
               <a:t>Mintacím szerkesztése</a:t>
             </a:r>
-            <a:endParaRPr lang="hu-HU"/>
           </a:p>
         </p:txBody>
       </p:sp>
@@ -1991,38 +1972,37 @@
           <a:p>
             <a:pPr lvl="0"/>
             <a:r>
-              <a:rPr lang="hu-HU" smtClean="0"/>
+              <a:rPr lang="hu-HU"/>
               <a:t>Mintaszöveg szerkesztése</a:t>
             </a:r>
           </a:p>
           <a:p>
             <a:pPr lvl="1"/>
             <a:r>
-              <a:rPr lang="hu-HU" smtClean="0"/>
+              <a:rPr lang="hu-HU"/>
               <a:t>Második szint</a:t>
             </a:r>
           </a:p>
           <a:p>
             <a:pPr lvl="2"/>
             <a:r>
-              <a:rPr lang="hu-HU" smtClean="0"/>
+              <a:rPr lang="hu-HU"/>
               <a:t>Harmadik szint</a:t>
             </a:r>
           </a:p>
           <a:p>
             <a:pPr lvl="3"/>
             <a:r>
-              <a:rPr lang="hu-HU" smtClean="0"/>
+              <a:rPr lang="hu-HU"/>
               <a:t>Negyedik szint</a:t>
             </a:r>
           </a:p>
           <a:p>
             <a:pPr lvl="4"/>
             <a:r>
-              <a:rPr lang="hu-HU" smtClean="0"/>
+              <a:rPr lang="hu-HU"/>
               <a:t>Ötödik szint</a:t>
             </a:r>
-            <a:endParaRPr lang="hu-HU"/>
           </a:p>
         </p:txBody>
       </p:sp>
@@ -2085,7 +2065,7 @@
           <a:p>
             <a:pPr lvl="0"/>
             <a:r>
-              <a:rPr lang="hu-HU" smtClean="0"/>
+              <a:rPr lang="hu-HU"/>
               <a:t>Mintaszöveg szerkesztése</a:t>
             </a:r>
           </a:p>
@@ -2108,7 +2088,7 @@
           <a:p>
             <a:fld id="{9036AB34-629E-4A73-B1DC-FDBB3E2FBB33}" type="datetimeFigureOut">
               <a:rPr lang="hu-HU" smtClean="0"/>
-              <a:t>2023. 05. 02.</a:t>
+              <a:t>2023.05.03</a:t>
             </a:fld>
             <a:endParaRPr lang="hu-HU"/>
           </a:p>
@@ -2211,10 +2191,9 @@
           </a:lstStyle>
           <a:p>
             <a:r>
-              <a:rPr lang="hu-HU" smtClean="0"/>
+              <a:rPr lang="hu-HU"/>
               <a:t>Mintacím szerkesztése</a:t>
             </a:r>
-            <a:endParaRPr lang="hu-HU"/>
           </a:p>
         </p:txBody>
       </p:sp>
@@ -2338,7 +2317,7 @@
           <a:p>
             <a:pPr lvl="0"/>
             <a:r>
-              <a:rPr lang="hu-HU" smtClean="0"/>
+              <a:rPr lang="hu-HU"/>
               <a:t>Mintaszöveg szerkesztése</a:t>
             </a:r>
           </a:p>
@@ -2361,7 +2340,7 @@
           <a:p>
             <a:fld id="{9036AB34-629E-4A73-B1DC-FDBB3E2FBB33}" type="datetimeFigureOut">
               <a:rPr lang="hu-HU" smtClean="0"/>
-              <a:t>2023. 05. 02.</a:t>
+              <a:t>2023.05.03</a:t>
             </a:fld>
             <a:endParaRPr lang="hu-HU"/>
           </a:p>
@@ -2470,10 +2449,9 @@
           <a:lstStyle/>
           <a:p>
             <a:r>
-              <a:rPr lang="hu-HU" smtClean="0"/>
+              <a:rPr lang="hu-HU"/>
               <a:t>Mintacím szerkesztése</a:t>
             </a:r>
-            <a:endParaRPr lang="hu-HU"/>
           </a:p>
         </p:txBody>
       </p:sp>
@@ -2504,38 +2482,37 @@
           <a:p>
             <a:pPr lvl="0"/>
             <a:r>
-              <a:rPr lang="hu-HU" smtClean="0"/>
+              <a:rPr lang="hu-HU"/>
               <a:t>Mintaszöveg szerkesztése</a:t>
             </a:r>
           </a:p>
           <a:p>
             <a:pPr lvl="1"/>
             <a:r>
-              <a:rPr lang="hu-HU" smtClean="0"/>
+              <a:rPr lang="hu-HU"/>
               <a:t>Második szint</a:t>
             </a:r>
           </a:p>
           <a:p>
             <a:pPr lvl="2"/>
             <a:r>
-              <a:rPr lang="hu-HU" smtClean="0"/>
+              <a:rPr lang="hu-HU"/>
               <a:t>Harmadik szint</a:t>
             </a:r>
           </a:p>
           <a:p>
             <a:pPr lvl="3"/>
             <a:r>
-              <a:rPr lang="hu-HU" smtClean="0"/>
+              <a:rPr lang="hu-HU"/>
               <a:t>Negyedik szint</a:t>
             </a:r>
           </a:p>
           <a:p>
             <a:pPr lvl="4"/>
             <a:r>
-              <a:rPr lang="hu-HU" smtClean="0"/>
+              <a:rPr lang="hu-HU"/>
               <a:t>Ötödik szint</a:t>
             </a:r>
-            <a:endParaRPr lang="hu-HU"/>
           </a:p>
         </p:txBody>
       </p:sp>
@@ -2574,7 +2551,7 @@
           <a:p>
             <a:fld id="{9036AB34-629E-4A73-B1DC-FDBB3E2FBB33}" type="datetimeFigureOut">
               <a:rPr lang="hu-HU" smtClean="0"/>
-              <a:t>2023. 05. 02.</a:t>
+              <a:t>2023.05.03</a:t>
             </a:fld>
             <a:endParaRPr lang="hu-HU"/>
           </a:p>
@@ -2668,6 +2645,13 @@
         </p:nvPicPr>
         <p:blipFill>
           <a:blip r:embed="rId13">
+            <a:duotone>
+              <a:schemeClr val="accent4">
+                <a:shade val="45000"/>
+                <a:satMod val="135000"/>
+              </a:schemeClr>
+              <a:prstClr val="white"/>
+            </a:duotone>
             <a:extLst>
               <a:ext uri="{28A0092B-C50C-407E-A947-70E740481C1C}">
                 <a14:useLocalDpi xmlns:a14="http://schemas.microsoft.com/office/drawing/2010/main" val="0"/>
@@ -2686,6 +2670,10 @@
           <a:prstGeom prst="rect">
             <a:avLst/>
           </a:prstGeom>
+          <a:solidFill>
+            <a:schemeClr val="bg1"/>
+          </a:solidFill>
+          <a:effectLst/>
         </p:spPr>
       </p:pic>
     </p:spTree>
@@ -2709,13 +2697,6 @@
     <p:sldLayoutId id="2147483658" r:id="rId10"/>
     <p:sldLayoutId id="2147483659" r:id="rId11"/>
   </p:sldLayoutIdLst>
-  <p:timing>
-    <p:tnLst>
-      <p:par>
-        <p:cTn id="1" dur="indefinite" restart="never" nodeType="tmRoot"/>
-      </p:par>
-    </p:tnLst>
-  </p:timing>
   <p:txStyles>
     <p:titleStyle>
       <a:lvl1pPr algn="l" defTabSz="914400" rtl="0" eaLnBrk="1" latinLnBrk="0" hangingPunct="1">
@@ -3042,16 +3023,12 @@
           <a:lstStyle/>
           <a:p>
             <a:r>
-              <a:rPr lang="hu-HU" sz="11500" dirty="0" smtClean="0">
+              <a:rPr lang="hu-HU" sz="11500" dirty="0">
                 <a:latin typeface="Times New Roman" panose="02020603050405020304" pitchFamily="18" charset="0"/>
                 <a:cs typeface="Times New Roman" panose="02020603050405020304" pitchFamily="18" charset="0"/>
               </a:rPr>
               <a:t>Sakk</a:t>
             </a:r>
-            <a:endParaRPr lang="hu-HU" sz="11500" dirty="0">
-              <a:latin typeface="Times New Roman" panose="02020603050405020304" pitchFamily="18" charset="0"/>
-              <a:cs typeface="Times New Roman" panose="02020603050405020304" pitchFamily="18" charset="0"/>
-            </a:endParaRPr>
           </a:p>
         </p:txBody>
       </p:sp>
@@ -3081,30 +3058,26 @@
           <a:lstStyle/>
           <a:p>
             <a:r>
-              <a:rPr lang="hu-HU" sz="3600" dirty="0" smtClean="0">
+              <a:rPr lang="hu-HU" sz="3600" dirty="0">
                 <a:latin typeface="Times New Roman" panose="02020603050405020304" pitchFamily="18" charset="0"/>
                 <a:cs typeface="Times New Roman" panose="02020603050405020304" pitchFamily="18" charset="0"/>
               </a:rPr>
               <a:t>Készítette: Kovács Péter, Pap László, </a:t>
             </a:r>
             <a:r>
-              <a:rPr lang="hu-HU" sz="3600" dirty="0" err="1" smtClean="0">
+              <a:rPr lang="hu-HU" sz="3600" dirty="0" err="1">
                 <a:latin typeface="Times New Roman" panose="02020603050405020304" pitchFamily="18" charset="0"/>
                 <a:cs typeface="Times New Roman" panose="02020603050405020304" pitchFamily="18" charset="0"/>
               </a:rPr>
               <a:t>Schmitzhofer</a:t>
             </a:r>
             <a:r>
-              <a:rPr lang="hu-HU" sz="3600" dirty="0" smtClean="0">
+              <a:rPr lang="hu-HU" sz="3600" dirty="0">
                 <a:latin typeface="Times New Roman" panose="02020603050405020304" pitchFamily="18" charset="0"/>
                 <a:cs typeface="Times New Roman" panose="02020603050405020304" pitchFamily="18" charset="0"/>
               </a:rPr>
               <a:t> Pál</a:t>
             </a:r>
-            <a:endParaRPr lang="hu-HU" sz="3600" dirty="0">
-              <a:latin typeface="Times New Roman" panose="02020603050405020304" pitchFamily="18" charset="0"/>
-              <a:cs typeface="Times New Roman" panose="02020603050405020304" pitchFamily="18" charset="0"/>
-            </a:endParaRPr>
           </a:p>
         </p:txBody>
       </p:sp>
@@ -3118,13 +3091,6 @@
   <p:clrMapOvr>
     <a:masterClrMapping/>
   </p:clrMapOvr>
-  <p:timing>
-    <p:tnLst>
-      <p:par>
-        <p:cTn id="1" dur="indefinite" restart="never" nodeType="tmRoot"/>
-      </p:par>
-    </p:tnLst>
-  </p:timing>
 </p:sld>
 </file>
 
@@ -3171,16 +3137,12 @@
           <a:lstStyle/>
           <a:p>
             <a:r>
-              <a:rPr lang="hu-HU" sz="5400" dirty="0" smtClean="0">
+              <a:rPr lang="hu-HU" sz="5400" dirty="0">
                 <a:latin typeface="Times New Roman" panose="02020603050405020304" pitchFamily="18" charset="0"/>
                 <a:cs typeface="Times New Roman" panose="02020603050405020304" pitchFamily="18" charset="0"/>
               </a:rPr>
               <a:t>Weboldal részei:</a:t>
             </a:r>
-            <a:endParaRPr lang="hu-HU" sz="5400" dirty="0">
-              <a:latin typeface="Times New Roman" panose="02020603050405020304" pitchFamily="18" charset="0"/>
-              <a:cs typeface="Times New Roman" panose="02020603050405020304" pitchFamily="18" charset="0"/>
-            </a:endParaRPr>
           </a:p>
         </p:txBody>
       </p:sp>
@@ -3210,7 +3172,7 @@
           <a:lstStyle/>
           <a:p>
             <a:r>
-              <a:rPr lang="hu-HU" sz="4000" dirty="0" smtClean="0">
+              <a:rPr lang="hu-HU" sz="4000" dirty="0">
                 <a:latin typeface="Times New Roman" panose="02020603050405020304" pitchFamily="18" charset="0"/>
                 <a:cs typeface="Times New Roman" panose="02020603050405020304" pitchFamily="18" charset="0"/>
               </a:rPr>
@@ -3219,7 +3181,7 @@
           </a:p>
           <a:p>
             <a:r>
-              <a:rPr lang="hu-HU" sz="4000" dirty="0" smtClean="0">
+              <a:rPr lang="hu-HU" sz="4000" dirty="0">
                 <a:latin typeface="Times New Roman" panose="02020603050405020304" pitchFamily="18" charset="0"/>
                 <a:cs typeface="Times New Roman" panose="02020603050405020304" pitchFamily="18" charset="0"/>
               </a:rPr>
@@ -3228,7 +3190,7 @@
           </a:p>
           <a:p>
             <a:r>
-              <a:rPr lang="hu-HU" sz="4000" dirty="0" smtClean="0">
+              <a:rPr lang="hu-HU" sz="4000" dirty="0">
                 <a:latin typeface="Times New Roman" panose="02020603050405020304" pitchFamily="18" charset="0"/>
                 <a:cs typeface="Times New Roman" panose="02020603050405020304" pitchFamily="18" charset="0"/>
               </a:rPr>
@@ -3237,7 +3199,7 @@
           </a:p>
           <a:p>
             <a:r>
-              <a:rPr lang="hu-HU" sz="4000" dirty="0" smtClean="0">
+              <a:rPr lang="hu-HU" sz="4000" dirty="0">
                 <a:latin typeface="Times New Roman" panose="02020603050405020304" pitchFamily="18" charset="0"/>
                 <a:cs typeface="Times New Roman" panose="02020603050405020304" pitchFamily="18" charset="0"/>
               </a:rPr>
@@ -3246,7 +3208,7 @@
           </a:p>
           <a:p>
             <a:r>
-              <a:rPr lang="hu-HU" sz="4000" dirty="0" smtClean="0">
+              <a:rPr lang="hu-HU" sz="4000" dirty="0">
                 <a:latin typeface="Times New Roman" panose="02020603050405020304" pitchFamily="18" charset="0"/>
                 <a:cs typeface="Times New Roman" panose="02020603050405020304" pitchFamily="18" charset="0"/>
               </a:rPr>
@@ -3255,16 +3217,12 @@
           </a:p>
           <a:p>
             <a:r>
-              <a:rPr lang="hu-HU" sz="4000" dirty="0" smtClean="0">
+              <a:rPr lang="hu-HU" sz="4000" dirty="0">
                 <a:latin typeface="Times New Roman" panose="02020603050405020304" pitchFamily="18" charset="0"/>
                 <a:cs typeface="Times New Roman" panose="02020603050405020304" pitchFamily="18" charset="0"/>
               </a:rPr>
               <a:t>Jelentkezés oldal </a:t>
             </a:r>
-            <a:endParaRPr lang="hu-HU" sz="4000" dirty="0">
-              <a:latin typeface="Times New Roman" panose="02020603050405020304" pitchFamily="18" charset="0"/>
-              <a:cs typeface="Times New Roman" panose="02020603050405020304" pitchFamily="18" charset="0"/>
-            </a:endParaRPr>
           </a:p>
         </p:txBody>
       </p:sp>
@@ -3278,13 +3236,6 @@
   <p:clrMapOvr>
     <a:masterClrMapping/>
   </p:clrMapOvr>
-  <p:timing>
-    <p:tnLst>
-      <p:par>
-        <p:cTn id="1" dur="indefinite" restart="never" nodeType="tmRoot"/>
-      </p:par>
-    </p:tnLst>
-  </p:timing>
 </p:sld>
 </file>
 
@@ -3331,7 +3282,7 @@
           <a:lstStyle/>
           <a:p>
             <a:r>
-              <a:rPr lang="hu-HU" sz="5400" dirty="0" smtClean="0">
+              <a:rPr lang="hu-HU" sz="5400" dirty="0">
                 <a:latin typeface="Times New Roman" panose="02020603050405020304" pitchFamily="18" charset="0"/>
                 <a:cs typeface="Times New Roman" panose="02020603050405020304" pitchFamily="18" charset="0"/>
               </a:rPr>
@@ -3373,21 +3324,21 @@
               <a:buNone/>
             </a:pPr>
             <a:r>
-              <a:rPr lang="hu-HU" sz="4000" dirty="0" smtClean="0">
+              <a:rPr lang="hu-HU" sz="4000" dirty="0">
                 <a:latin typeface="Times New Roman" panose="02020603050405020304" pitchFamily="18" charset="0"/>
                 <a:cs typeface="Times New Roman" panose="02020603050405020304" pitchFamily="18" charset="0"/>
               </a:rPr>
               <a:t>Készítette: </a:t>
             </a:r>
             <a:r>
-              <a:rPr lang="hu-HU" sz="4000" dirty="0" err="1" smtClean="0">
+              <a:rPr lang="hu-HU" sz="4000" dirty="0" err="1">
                 <a:latin typeface="Times New Roman" panose="02020603050405020304" pitchFamily="18" charset="0"/>
                 <a:cs typeface="Times New Roman" panose="02020603050405020304" pitchFamily="18" charset="0"/>
               </a:rPr>
               <a:t>Schmitzhofer</a:t>
             </a:r>
             <a:r>
-              <a:rPr lang="hu-HU" sz="4000" dirty="0" smtClean="0">
+              <a:rPr lang="hu-HU" sz="4000" dirty="0">
                 <a:latin typeface="Times New Roman" panose="02020603050405020304" pitchFamily="18" charset="0"/>
                 <a:cs typeface="Times New Roman" panose="02020603050405020304" pitchFamily="18" charset="0"/>
               </a:rPr>
@@ -3399,16 +3350,12 @@
               <a:buNone/>
             </a:pPr>
             <a:r>
-              <a:rPr lang="hu-HU" sz="4000" dirty="0" smtClean="0">
+              <a:rPr lang="hu-HU" sz="4000" dirty="0">
                 <a:latin typeface="Times New Roman" panose="02020603050405020304" pitchFamily="18" charset="0"/>
                 <a:cs typeface="Times New Roman" panose="02020603050405020304" pitchFamily="18" charset="0"/>
               </a:rPr>
               <a:t>A weboldalak tartalmát felvezeti, érdekes videót és bolthoz vezető linket tartalmaz.</a:t>
             </a:r>
-            <a:endParaRPr lang="hu-HU" sz="4000" dirty="0">
-              <a:latin typeface="Times New Roman" panose="02020603050405020304" pitchFamily="18" charset="0"/>
-              <a:cs typeface="Times New Roman" panose="02020603050405020304" pitchFamily="18" charset="0"/>
-            </a:endParaRPr>
           </a:p>
         </p:txBody>
       </p:sp>
@@ -3422,13 +3369,6 @@
   <p:clrMapOvr>
     <a:masterClrMapping/>
   </p:clrMapOvr>
-  <p:timing>
-    <p:tnLst>
-      <p:par>
-        <p:cTn id="1" dur="indefinite" restart="never" nodeType="tmRoot"/>
-      </p:par>
-    </p:tnLst>
-  </p:timing>
 </p:sld>
 </file>
 
@@ -3475,7 +3415,7 @@
           <a:lstStyle/>
           <a:p>
             <a:r>
-              <a:rPr lang="hu-HU" sz="5400" dirty="0" smtClean="0">
+              <a:rPr lang="hu-HU" sz="5400" dirty="0">
                 <a:latin typeface="Times New Roman" panose="02020603050405020304" pitchFamily="18" charset="0"/>
                 <a:cs typeface="Times New Roman" panose="02020603050405020304" pitchFamily="18" charset="0"/>
               </a:rPr>
@@ -3517,7 +3457,7 @@
               <a:buNone/>
             </a:pPr>
             <a:r>
-              <a:rPr lang="hu-HU" sz="4000" dirty="0" smtClean="0">
+              <a:rPr lang="hu-HU" sz="4000" dirty="0">
                 <a:latin typeface="Times New Roman" panose="02020603050405020304" pitchFamily="18" charset="0"/>
                 <a:cs typeface="Times New Roman" panose="02020603050405020304" pitchFamily="18" charset="0"/>
               </a:rPr>
@@ -3529,7 +3469,7 @@
               <a:buNone/>
             </a:pPr>
             <a:r>
-              <a:rPr lang="hu-HU" sz="4000" dirty="0" smtClean="0">
+              <a:rPr lang="hu-HU" sz="4000" dirty="0">
                 <a:latin typeface="Times New Roman" panose="02020603050405020304" pitchFamily="18" charset="0"/>
                 <a:cs typeface="Times New Roman" panose="02020603050405020304" pitchFamily="18" charset="0"/>
               </a:rPr>
@@ -3548,13 +3488,6 @@
   <p:clrMapOvr>
     <a:masterClrMapping/>
   </p:clrMapOvr>
-  <p:timing>
-    <p:tnLst>
-      <p:par>
-        <p:cTn id="1" dur="indefinite" restart="never" nodeType="tmRoot"/>
-      </p:par>
-    </p:tnLst>
-  </p:timing>
 </p:sld>
 </file>
 
@@ -3601,16 +3534,12 @@
           <a:lstStyle/>
           <a:p>
             <a:r>
-              <a:rPr lang="hu-HU" sz="5400" dirty="0" smtClean="0">
+              <a:rPr lang="hu-HU" sz="5400" dirty="0">
                 <a:latin typeface="Times New Roman" panose="02020603050405020304" pitchFamily="18" charset="0"/>
                 <a:cs typeface="Times New Roman" panose="02020603050405020304" pitchFamily="18" charset="0"/>
               </a:rPr>
               <a:t>Feladvány gyűjtőoldal</a:t>
             </a:r>
-            <a:endParaRPr lang="hu-HU" sz="5400" dirty="0">
-              <a:latin typeface="Times New Roman" panose="02020603050405020304" pitchFamily="18" charset="0"/>
-              <a:cs typeface="Times New Roman" panose="02020603050405020304" pitchFamily="18" charset="0"/>
-            </a:endParaRPr>
           </a:p>
         </p:txBody>
       </p:sp>
@@ -3643,7 +3572,7 @@
               <a:buNone/>
             </a:pPr>
             <a:r>
-              <a:rPr lang="hu-HU" sz="4000" dirty="0" smtClean="0">
+              <a:rPr lang="hu-HU" sz="4000" dirty="0">
                 <a:latin typeface="Times New Roman" panose="02020603050405020304" pitchFamily="18" charset="0"/>
                 <a:cs typeface="Times New Roman" panose="02020603050405020304" pitchFamily="18" charset="0"/>
               </a:rPr>
@@ -3655,7 +3584,7 @@
               <a:buNone/>
             </a:pPr>
             <a:r>
-              <a:rPr lang="hu-HU" sz="4000" dirty="0" smtClean="0">
+              <a:rPr lang="hu-HU" sz="4000" dirty="0">
                 <a:latin typeface="Times New Roman" panose="02020603050405020304" pitchFamily="18" charset="0"/>
                 <a:cs typeface="Times New Roman" panose="02020603050405020304" pitchFamily="18" charset="0"/>
               </a:rPr>
@@ -3667,7 +3596,7 @@
               <a:buNone/>
             </a:pPr>
             <a:r>
-              <a:rPr lang="hu-HU" sz="4000" dirty="0" smtClean="0">
+              <a:rPr lang="hu-HU" sz="4000" dirty="0">
                 <a:latin typeface="Times New Roman" panose="02020603050405020304" pitchFamily="18" charset="0"/>
                 <a:cs typeface="Times New Roman" panose="02020603050405020304" pitchFamily="18" charset="0"/>
               </a:rPr>
@@ -3686,13 +3615,6 @@
   <p:clrMapOvr>
     <a:masterClrMapping/>
   </p:clrMapOvr>
-  <p:timing>
-    <p:tnLst>
-      <p:par>
-        <p:cTn id="1" dur="indefinite" restart="never" nodeType="tmRoot"/>
-      </p:par>
-    </p:tnLst>
-  </p:timing>
 </p:sld>
 </file>
 
@@ -3739,16 +3661,12 @@
           <a:lstStyle/>
           <a:p>
             <a:r>
-              <a:rPr lang="hu-HU" sz="5400" dirty="0" smtClean="0">
+              <a:rPr lang="hu-HU" sz="5400" dirty="0">
                 <a:latin typeface="Times New Roman" panose="02020603050405020304" pitchFamily="18" charset="0"/>
                 <a:cs typeface="Times New Roman" panose="02020603050405020304" pitchFamily="18" charset="0"/>
               </a:rPr>
               <a:t>Feladványok oldalai</a:t>
             </a:r>
-            <a:endParaRPr lang="hu-HU" sz="5400" dirty="0">
-              <a:latin typeface="Times New Roman" panose="02020603050405020304" pitchFamily="18" charset="0"/>
-              <a:cs typeface="Times New Roman" panose="02020603050405020304" pitchFamily="18" charset="0"/>
-            </a:endParaRPr>
           </a:p>
         </p:txBody>
       </p:sp>
@@ -3781,7 +3699,7 @@
               <a:buNone/>
             </a:pPr>
             <a:r>
-              <a:rPr lang="hu-HU" sz="4000" dirty="0" smtClean="0">
+              <a:rPr lang="hu-HU" sz="4000" dirty="0">
                 <a:latin typeface="Times New Roman" panose="02020603050405020304" pitchFamily="18" charset="0"/>
                 <a:cs typeface="Times New Roman" panose="02020603050405020304" pitchFamily="18" charset="0"/>
               </a:rPr>
@@ -3793,7 +3711,7 @@
               <a:buNone/>
             </a:pPr>
             <a:r>
-              <a:rPr lang="hu-HU" sz="4000" dirty="0" smtClean="0">
+              <a:rPr lang="hu-HU" sz="4000" dirty="0">
                 <a:latin typeface="Times New Roman" panose="02020603050405020304" pitchFamily="18" charset="0"/>
                 <a:cs typeface="Times New Roman" panose="02020603050405020304" pitchFamily="18" charset="0"/>
               </a:rPr>
@@ -3804,7 +3722,7 @@
             <a:pPr marL="0" indent="0">
               <a:buNone/>
             </a:pPr>
-            <a:endParaRPr lang="hu-HU" sz="4000" dirty="0" smtClean="0">
+            <a:endParaRPr lang="hu-HU" sz="4000" dirty="0">
               <a:latin typeface="Times New Roman" panose="02020603050405020304" pitchFamily="18" charset="0"/>
               <a:cs typeface="Times New Roman" panose="02020603050405020304" pitchFamily="18" charset="0"/>
             </a:endParaRPr>
@@ -3821,13 +3739,6 @@
   <p:clrMapOvr>
     <a:masterClrMapping/>
   </p:clrMapOvr>
-  <p:timing>
-    <p:tnLst>
-      <p:par>
-        <p:cTn id="1" dur="indefinite" restart="never" nodeType="tmRoot"/>
-      </p:par>
-    </p:tnLst>
-  </p:timing>
 </p:sld>
 </file>
 
@@ -3874,16 +3785,12 @@
           <a:lstStyle/>
           <a:p>
             <a:r>
-              <a:rPr lang="hu-HU" sz="5400" dirty="0" smtClean="0">
+              <a:rPr lang="hu-HU" sz="5400" dirty="0">
                 <a:latin typeface="Times New Roman" panose="02020603050405020304" pitchFamily="18" charset="0"/>
                 <a:cs typeface="Times New Roman" panose="02020603050405020304" pitchFamily="18" charset="0"/>
               </a:rPr>
               <a:t>Hírek oldala</a:t>
             </a:r>
-            <a:endParaRPr lang="hu-HU" sz="5400" dirty="0">
-              <a:latin typeface="Times New Roman" panose="02020603050405020304" pitchFamily="18" charset="0"/>
-              <a:cs typeface="Times New Roman" panose="02020603050405020304" pitchFamily="18" charset="0"/>
-            </a:endParaRPr>
           </a:p>
         </p:txBody>
       </p:sp>
@@ -3916,7 +3823,7 @@
               <a:buNone/>
             </a:pPr>
             <a:r>
-              <a:rPr lang="hu-HU" sz="4000" dirty="0" smtClean="0">
+              <a:rPr lang="hu-HU" sz="4000" dirty="0">
                 <a:latin typeface="Times New Roman" panose="02020603050405020304" pitchFamily="18" charset="0"/>
                 <a:cs typeface="Times New Roman" panose="02020603050405020304" pitchFamily="18" charset="0"/>
               </a:rPr>
@@ -3928,7 +3835,7 @@
               <a:buNone/>
             </a:pPr>
             <a:r>
-              <a:rPr lang="hu-HU" sz="4000" dirty="0" smtClean="0">
+              <a:rPr lang="hu-HU" sz="4000" dirty="0">
                 <a:latin typeface="Times New Roman" panose="02020603050405020304" pitchFamily="18" charset="0"/>
                 <a:cs typeface="Times New Roman" panose="02020603050405020304" pitchFamily="18" charset="0"/>
               </a:rPr>
@@ -3939,7 +3846,7 @@
             <a:pPr marL="0" indent="0">
               <a:buNone/>
             </a:pPr>
-            <a:endParaRPr lang="hu-HU" sz="4000" dirty="0" smtClean="0">
+            <a:endParaRPr lang="hu-HU" sz="4000" dirty="0">
               <a:latin typeface="Times New Roman" panose="02020603050405020304" pitchFamily="18" charset="0"/>
               <a:cs typeface="Times New Roman" panose="02020603050405020304" pitchFamily="18" charset="0"/>
             </a:endParaRPr>
@@ -3956,13 +3863,6 @@
   <p:clrMapOvr>
     <a:masterClrMapping/>
   </p:clrMapOvr>
-  <p:timing>
-    <p:tnLst>
-      <p:par>
-        <p:cTn id="1" dur="indefinite" restart="never" nodeType="tmRoot"/>
-      </p:par>
-    </p:tnLst>
-  </p:timing>
 </p:sld>
 </file>
 
@@ -4009,16 +3909,12 @@
           <a:lstStyle/>
           <a:p>
             <a:r>
-              <a:rPr lang="hu-HU" sz="5400" dirty="0" smtClean="0">
+              <a:rPr lang="hu-HU" sz="5400" dirty="0">
                 <a:latin typeface="Times New Roman" panose="02020603050405020304" pitchFamily="18" charset="0"/>
                 <a:cs typeface="Times New Roman" panose="02020603050405020304" pitchFamily="18" charset="0"/>
               </a:rPr>
               <a:t>Jelentkezés oldal</a:t>
             </a:r>
-            <a:endParaRPr lang="hu-HU" sz="5400" dirty="0">
-              <a:latin typeface="Times New Roman" panose="02020603050405020304" pitchFamily="18" charset="0"/>
-              <a:cs typeface="Times New Roman" panose="02020603050405020304" pitchFamily="18" charset="0"/>
-            </a:endParaRPr>
           </a:p>
         </p:txBody>
       </p:sp>
@@ -4051,21 +3947,21 @@
               <a:buNone/>
             </a:pPr>
             <a:r>
-              <a:rPr lang="hu-HU" sz="4000" dirty="0" smtClean="0">
+              <a:rPr lang="hu-HU" sz="4000" dirty="0">
                 <a:latin typeface="Times New Roman" panose="02020603050405020304" pitchFamily="18" charset="0"/>
                 <a:cs typeface="Times New Roman" panose="02020603050405020304" pitchFamily="18" charset="0"/>
               </a:rPr>
               <a:t>Készítette: </a:t>
             </a:r>
             <a:r>
-              <a:rPr lang="hu-HU" sz="4000" dirty="0" err="1" smtClean="0">
+              <a:rPr lang="hu-HU" sz="4000" dirty="0" err="1">
                 <a:latin typeface="Times New Roman" panose="02020603050405020304" pitchFamily="18" charset="0"/>
                 <a:cs typeface="Times New Roman" panose="02020603050405020304" pitchFamily="18" charset="0"/>
               </a:rPr>
               <a:t>Schmitzhofer</a:t>
             </a:r>
             <a:r>
-              <a:rPr lang="hu-HU" sz="4000" dirty="0" smtClean="0">
+              <a:rPr lang="hu-HU" sz="4000" dirty="0">
                 <a:latin typeface="Times New Roman" panose="02020603050405020304" pitchFamily="18" charset="0"/>
                 <a:cs typeface="Times New Roman" panose="02020603050405020304" pitchFamily="18" charset="0"/>
               </a:rPr>
@@ -4077,7 +3973,7 @@
               <a:buNone/>
             </a:pPr>
             <a:r>
-              <a:rPr lang="hu-HU" sz="4000" dirty="0" smtClean="0">
+              <a:rPr lang="hu-HU" sz="4000" dirty="0">
                 <a:latin typeface="Times New Roman" panose="02020603050405020304" pitchFamily="18" charset="0"/>
                 <a:cs typeface="Times New Roman" panose="02020603050405020304" pitchFamily="18" charset="0"/>
               </a:rPr>
@@ -4096,13 +3992,6 @@
   <p:clrMapOvr>
     <a:masterClrMapping/>
   </p:clrMapOvr>
-  <p:timing>
-    <p:tnLst>
-      <p:par>
-        <p:cTn id="1" dur="indefinite" restart="never" nodeType="tmRoot"/>
-      </p:par>
-    </p:tnLst>
-  </p:timing>
 </p:sld>
 </file>
 
@@ -4153,16 +4042,12 @@
           <a:lstStyle/>
           <a:p>
             <a:r>
-              <a:rPr lang="hu-HU" sz="11500" dirty="0" smtClean="0">
+              <a:rPr lang="hu-HU" sz="11500" dirty="0">
                 <a:latin typeface="Times New Roman" panose="02020603050405020304" pitchFamily="18" charset="0"/>
                 <a:cs typeface="Times New Roman" panose="02020603050405020304" pitchFamily="18" charset="0"/>
               </a:rPr>
               <a:t>Köszönjük a figyelmet</a:t>
             </a:r>
-            <a:endParaRPr lang="hu-HU" sz="11500" dirty="0">
-              <a:latin typeface="Times New Roman" panose="02020603050405020304" pitchFamily="18" charset="0"/>
-              <a:cs typeface="Times New Roman" panose="02020603050405020304" pitchFamily="18" charset="0"/>
-            </a:endParaRPr>
           </a:p>
         </p:txBody>
       </p:sp>
@@ -4208,13 +4093,6 @@
   <p:clrMapOvr>
     <a:masterClrMapping/>
   </p:clrMapOvr>
-  <p:timing>
-    <p:tnLst>
-      <p:par>
-        <p:cTn id="1" dur="indefinite" restart="never" nodeType="tmRoot"/>
-      </p:par>
-    </p:tnLst>
-  </p:timing>
 </p:sld>
 </file>
 
